--- a/d10/m5_03-10-2024_clase_63_dia_10-s6.pptx
+++ b/d10/m5_03-10-2024_clase_63_dia_10-s6.pptx
@@ -7090,7 +7090,7 @@
                   <a:srgbClr val="262626"/>
                 </a:solidFill>
               </a:rPr>
-              <a:t>SELECT nombre FROM clients</a:t>
+              <a:t>SELECT nombre FROM clientes</a:t>
             </a:r>
           </a:p>
           <a:p>
